--- a/img/schema_pa.pptx
+++ b/img/schema_pa.pptx
@@ -109,6 +109,11 @@
       </a:defRPr>
     </a:lvl9pPr>
   </p:defaultTextStyle>
+  <p:extLst>
+    <p:ext uri="{EFAFB233-063F-42B5-8137-9DF3F51BA10A}">
+      <p15:sldGuideLst xmlns:p15="http://schemas.microsoft.com/office/powerpoint/2012/main"/>
+    </p:ext>
+  </p:extLst>
 </p:presentation>
 </file>
 
@@ -194,7 +199,7 @@
           <a:p>
             <a:fld id="{EB5D1F39-8034-4035-8ADF-ED6B4DFE4D8F}" type="datetimeFigureOut">
               <a:rPr lang="fr-FR" smtClean="0"/>
-              <a:t>25/06/2020</a:t>
+              <a:t>06/07/2020</a:t>
             </a:fld>
             <a:endParaRPr lang="fr-FR"/>
           </a:p>
@@ -608,7 +613,7 @@
           <a:p>
             <a:fld id="{5CC8AF24-5C11-4B3E-AC80-D4BD60D4FDBF}" type="datetimeFigureOut">
               <a:rPr lang="fr-FR" smtClean="0"/>
-              <a:t>25/06/2020</a:t>
+              <a:t>06/07/2020</a:t>
             </a:fld>
             <a:endParaRPr lang="fr-FR"/>
           </a:p>
@@ -806,7 +811,7 @@
           <a:p>
             <a:fld id="{5CC8AF24-5C11-4B3E-AC80-D4BD60D4FDBF}" type="datetimeFigureOut">
               <a:rPr lang="fr-FR" smtClean="0"/>
-              <a:t>25/06/2020</a:t>
+              <a:t>06/07/2020</a:t>
             </a:fld>
             <a:endParaRPr lang="fr-FR"/>
           </a:p>
@@ -1014,7 +1019,7 @@
           <a:p>
             <a:fld id="{5CC8AF24-5C11-4B3E-AC80-D4BD60D4FDBF}" type="datetimeFigureOut">
               <a:rPr lang="fr-FR" smtClean="0"/>
-              <a:t>25/06/2020</a:t>
+              <a:t>06/07/2020</a:t>
             </a:fld>
             <a:endParaRPr lang="fr-FR"/>
           </a:p>
@@ -1212,7 +1217,7 @@
           <a:p>
             <a:fld id="{5CC8AF24-5C11-4B3E-AC80-D4BD60D4FDBF}" type="datetimeFigureOut">
               <a:rPr lang="fr-FR" smtClean="0"/>
-              <a:t>25/06/2020</a:t>
+              <a:t>06/07/2020</a:t>
             </a:fld>
             <a:endParaRPr lang="fr-FR"/>
           </a:p>
@@ -1487,7 +1492,7 @@
           <a:p>
             <a:fld id="{5CC8AF24-5C11-4B3E-AC80-D4BD60D4FDBF}" type="datetimeFigureOut">
               <a:rPr lang="fr-FR" smtClean="0"/>
-              <a:t>25/06/2020</a:t>
+              <a:t>06/07/2020</a:t>
             </a:fld>
             <a:endParaRPr lang="fr-FR"/>
           </a:p>
@@ -1752,7 +1757,7 @@
           <a:p>
             <a:fld id="{5CC8AF24-5C11-4B3E-AC80-D4BD60D4FDBF}" type="datetimeFigureOut">
               <a:rPr lang="fr-FR" smtClean="0"/>
-              <a:t>25/06/2020</a:t>
+              <a:t>06/07/2020</a:t>
             </a:fld>
             <a:endParaRPr lang="fr-FR"/>
           </a:p>
@@ -2164,7 +2169,7 @@
           <a:p>
             <a:fld id="{5CC8AF24-5C11-4B3E-AC80-D4BD60D4FDBF}" type="datetimeFigureOut">
               <a:rPr lang="fr-FR" smtClean="0"/>
-              <a:t>25/06/2020</a:t>
+              <a:t>06/07/2020</a:t>
             </a:fld>
             <a:endParaRPr lang="fr-FR"/>
           </a:p>
@@ -2305,7 +2310,7 @@
           <a:p>
             <a:fld id="{5CC8AF24-5C11-4B3E-AC80-D4BD60D4FDBF}" type="datetimeFigureOut">
               <a:rPr lang="fr-FR" smtClean="0"/>
-              <a:t>25/06/2020</a:t>
+              <a:t>06/07/2020</a:t>
             </a:fld>
             <a:endParaRPr lang="fr-FR"/>
           </a:p>
@@ -2418,7 +2423,7 @@
           <a:p>
             <a:fld id="{5CC8AF24-5C11-4B3E-AC80-D4BD60D4FDBF}" type="datetimeFigureOut">
               <a:rPr lang="fr-FR" smtClean="0"/>
-              <a:t>25/06/2020</a:t>
+              <a:t>06/07/2020</a:t>
             </a:fld>
             <a:endParaRPr lang="fr-FR"/>
           </a:p>
@@ -2729,7 +2734,7 @@
           <a:p>
             <a:fld id="{5CC8AF24-5C11-4B3E-AC80-D4BD60D4FDBF}" type="datetimeFigureOut">
               <a:rPr lang="fr-FR" smtClean="0"/>
-              <a:t>25/06/2020</a:t>
+              <a:t>06/07/2020</a:t>
             </a:fld>
             <a:endParaRPr lang="fr-FR"/>
           </a:p>
@@ -3017,7 +3022,7 @@
           <a:p>
             <a:fld id="{5CC8AF24-5C11-4B3E-AC80-D4BD60D4FDBF}" type="datetimeFigureOut">
               <a:rPr lang="fr-FR" smtClean="0"/>
-              <a:t>25/06/2020</a:t>
+              <a:t>06/07/2020</a:t>
             </a:fld>
             <a:endParaRPr lang="fr-FR"/>
           </a:p>
@@ -3258,7 +3263,7 @@
           <a:p>
             <a:fld id="{5CC8AF24-5C11-4B3E-AC80-D4BD60D4FDBF}" type="datetimeFigureOut">
               <a:rPr lang="fr-FR" smtClean="0"/>
-              <a:t>25/06/2020</a:t>
+              <a:t>06/07/2020</a:t>
             </a:fld>
             <a:endParaRPr lang="fr-FR"/>
           </a:p>
@@ -4638,7 +4643,7 @@
               <a:rPr lang="fr-FR" sz="3200" b="1" dirty="0">
                 <a:latin typeface="+mj-lt"/>
               </a:rPr>
-              <a:t>PREVISION DE PRIX </a:t>
+              <a:t>DIFFUSION DE PRIX </a:t>
             </a:r>
           </a:p>
         </p:txBody>
